--- a/ppt/6.Numerical integration.pptx
+++ b/ppt/6.Numerical integration.pptx
@@ -250,7 +250,7 @@
           <a:p>
             <a:fld id="{61F1DF29-E637-4A54-B896-1342D479CFC0}" type="datetimeFigureOut">
               <a:rPr lang="ko-KR" altLang="en-US" smtClean="0"/>
-              <a:t>2016-06-02</a:t>
+              <a:t>2017-04-20</a:t>
             </a:fld>
             <a:endParaRPr lang="ko-KR" altLang="en-US"/>
           </a:p>
@@ -420,7 +420,7 @@
           <a:p>
             <a:fld id="{61F1DF29-E637-4A54-B896-1342D479CFC0}" type="datetimeFigureOut">
               <a:rPr lang="ko-KR" altLang="en-US" smtClean="0"/>
-              <a:t>2016-06-02</a:t>
+              <a:t>2017-04-20</a:t>
             </a:fld>
             <a:endParaRPr lang="ko-KR" altLang="en-US"/>
           </a:p>
@@ -600,7 +600,7 @@
           <a:p>
             <a:fld id="{61F1DF29-E637-4A54-B896-1342D479CFC0}" type="datetimeFigureOut">
               <a:rPr lang="ko-KR" altLang="en-US" smtClean="0"/>
-              <a:t>2016-06-02</a:t>
+              <a:t>2017-04-20</a:t>
             </a:fld>
             <a:endParaRPr lang="ko-KR" altLang="en-US"/>
           </a:p>
@@ -770,7 +770,7 @@
           <a:p>
             <a:fld id="{61F1DF29-E637-4A54-B896-1342D479CFC0}" type="datetimeFigureOut">
               <a:rPr lang="ko-KR" altLang="en-US" smtClean="0"/>
-              <a:t>2016-06-02</a:t>
+              <a:t>2017-04-20</a:t>
             </a:fld>
             <a:endParaRPr lang="ko-KR" altLang="en-US"/>
           </a:p>
@@ -1016,7 +1016,7 @@
           <a:p>
             <a:fld id="{61F1DF29-E637-4A54-B896-1342D479CFC0}" type="datetimeFigureOut">
               <a:rPr lang="ko-KR" altLang="en-US" smtClean="0"/>
-              <a:t>2016-06-02</a:t>
+              <a:t>2017-04-20</a:t>
             </a:fld>
             <a:endParaRPr lang="ko-KR" altLang="en-US"/>
           </a:p>
@@ -1248,7 +1248,7 @@
           <a:p>
             <a:fld id="{61F1DF29-E637-4A54-B896-1342D479CFC0}" type="datetimeFigureOut">
               <a:rPr lang="ko-KR" altLang="en-US" smtClean="0"/>
-              <a:t>2016-06-02</a:t>
+              <a:t>2017-04-20</a:t>
             </a:fld>
             <a:endParaRPr lang="ko-KR" altLang="en-US"/>
           </a:p>
@@ -1615,7 +1615,7 @@
           <a:p>
             <a:fld id="{61F1DF29-E637-4A54-B896-1342D479CFC0}" type="datetimeFigureOut">
               <a:rPr lang="ko-KR" altLang="en-US" smtClean="0"/>
-              <a:t>2016-06-02</a:t>
+              <a:t>2017-04-20</a:t>
             </a:fld>
             <a:endParaRPr lang="ko-KR" altLang="en-US"/>
           </a:p>
@@ -1733,7 +1733,7 @@
           <a:p>
             <a:fld id="{61F1DF29-E637-4A54-B896-1342D479CFC0}" type="datetimeFigureOut">
               <a:rPr lang="ko-KR" altLang="en-US" smtClean="0"/>
-              <a:t>2016-06-02</a:t>
+              <a:t>2017-04-20</a:t>
             </a:fld>
             <a:endParaRPr lang="ko-KR" altLang="en-US"/>
           </a:p>
@@ -1828,7 +1828,7 @@
           <a:p>
             <a:fld id="{61F1DF29-E637-4A54-B896-1342D479CFC0}" type="datetimeFigureOut">
               <a:rPr lang="ko-KR" altLang="en-US" smtClean="0"/>
-              <a:t>2016-06-02</a:t>
+              <a:t>2017-04-20</a:t>
             </a:fld>
             <a:endParaRPr lang="ko-KR" altLang="en-US"/>
           </a:p>
@@ -2105,7 +2105,7 @@
           <a:p>
             <a:fld id="{61F1DF29-E637-4A54-B896-1342D479CFC0}" type="datetimeFigureOut">
               <a:rPr lang="ko-KR" altLang="en-US" smtClean="0"/>
-              <a:t>2016-06-02</a:t>
+              <a:t>2017-04-20</a:t>
             </a:fld>
             <a:endParaRPr lang="ko-KR" altLang="en-US"/>
           </a:p>
@@ -2358,7 +2358,7 @@
           <a:p>
             <a:fld id="{61F1DF29-E637-4A54-B896-1342D479CFC0}" type="datetimeFigureOut">
               <a:rPr lang="ko-KR" altLang="en-US" smtClean="0"/>
-              <a:t>2016-06-02</a:t>
+              <a:t>2017-04-20</a:t>
             </a:fld>
             <a:endParaRPr lang="ko-KR" altLang="en-US"/>
           </a:p>
@@ -2571,7 +2571,7 @@
           <a:p>
             <a:fld id="{61F1DF29-E637-4A54-B896-1342D479CFC0}" type="datetimeFigureOut">
               <a:rPr lang="ko-KR" altLang="en-US" smtClean="0"/>
-              <a:t>2016-06-02</a:t>
+              <a:t>2017-04-20</a:t>
             </a:fld>
             <a:endParaRPr lang="ko-KR" altLang="en-US"/>
           </a:p>
@@ -6795,8 +6795,8 @@
           <a:chExt cx="0" cy="0"/>
         </a:xfrm>
       </p:grpSpPr>
-      <mc:AlternateContent xmlns:mc="http://schemas.openxmlformats.org/markup-compatibility/2006" xmlns:a14="http://schemas.microsoft.com/office/drawing/2010/main">
-        <mc:Choice Requires="a14">
+      <mc:AlternateContent xmlns:mc="http://schemas.openxmlformats.org/markup-compatibility/2006">
+        <mc:Choice xmlns:a14="http://schemas.microsoft.com/office/drawing/2010/main" Requires="a14">
           <p:sp>
             <p:nvSpPr>
               <p:cNvPr id="2" name="제목 1"/>
@@ -6807,9 +6807,16 @@
                 <p:ph type="title"/>
               </p:nvPr>
             </p:nvSpPr>
-            <p:spPr/>
+            <p:spPr>
+              <a:xfrm>
+                <a:off x="838200" y="365125"/>
+                <a:ext cx="10515600" cy="672843"/>
+              </a:xfrm>
+            </p:spPr>
             <p:txBody>
-              <a:bodyPr/>
+              <a:bodyPr>
+                <a:normAutofit fontScale="90000"/>
+              </a:bodyPr>
               <a:lstStyle/>
               <a:p>
                 <a:r>
@@ -6852,7 +6859,7 @@
             </p:txBody>
           </p:sp>
         </mc:Choice>
-        <mc:Fallback xmlns="">
+        <mc:Fallback>
           <p:sp>
             <p:nvSpPr>
               <p:cNvPr id="2" name="제목 1"/>
@@ -6864,10 +6871,14 @@
               </p:nvPr>
             </p:nvSpPr>
             <p:spPr>
+              <a:xfrm>
+                <a:off x="838200" y="365125"/>
+                <a:ext cx="10515600" cy="672843"/>
+              </a:xfrm>
               <a:blipFill rotWithShape="0">
                 <a:blip r:embed="rId2"/>
                 <a:stretch>
-                  <a:fillRect l="-2377"/>
+                  <a:fillRect l="-2087" t="-22727" b="-37273"/>
                 </a:stretch>
               </a:blipFill>
             </p:spPr>
@@ -6898,10 +6909,15 @@
                 <p:ph idx="1"/>
               </p:nvPr>
             </p:nvSpPr>
-            <p:spPr/>
+            <p:spPr>
+              <a:xfrm>
+                <a:off x="838200" y="1169773"/>
+                <a:ext cx="10515600" cy="5007190"/>
+              </a:xfrm>
+            </p:spPr>
             <p:txBody>
               <a:bodyPr>
-                <a:normAutofit fontScale="55000" lnSpcReduction="20000"/>
+                <a:normAutofit fontScale="62500" lnSpcReduction="20000"/>
               </a:bodyPr>
               <a:lstStyle/>
               <a:p>
@@ -7086,6 +7102,12 @@
                                   </m:r>
                                 </m:sup>
                               </m:sSup>
+                              <m:r>
+                                <a:rPr lang="en-US" altLang="ko-KR" b="0" i="1" smtClean="0">
+                                  <a:latin typeface="Cambria Math" panose="02040503050406030204" pitchFamily="18" charset="0"/>
+                                </a:rPr>
+                                <m:t>/2</m:t>
+                              </m:r>
                             </m:sup>
                           </m:sSup>
                           <m:r>
@@ -7106,8 +7128,19 @@
                   <a:buNone/>
                 </a:pPr>
                 <a:r>
+                  <a:rPr lang="en-US" altLang="ko-KR" smtClean="0"/>
+                  <a:t/>
+                </a:r>
+                <a:br>
+                  <a:rPr lang="en-US" altLang="ko-KR" smtClean="0"/>
+                </a:br>
+                <a:r>
+                  <a:rPr lang="en-US" altLang="ko-KR" smtClean="0"/>
+                  <a:t>phi </a:t>
+                </a:r>
+                <a:r>
                   <a:rPr lang="en-US" altLang="ko-KR" dirty="0" smtClean="0"/>
-                  <a:t>phi &lt;- function(x) return(</a:t>
+                  <a:t>&lt;- function(x) return(</a:t>
                 </a:r>
                 <a:r>
                   <a:rPr lang="en-US" altLang="ko-KR" dirty="0" err="1" smtClean="0"/>
@@ -7153,15 +7186,7 @@
                 </a:br>
                 <a:r>
                   <a:rPr lang="en-US" altLang="ko-KR" dirty="0" smtClean="0"/>
-                  <a:t>		</a:t>
-                </a:r>
-                <a:r>
-                  <a:rPr lang="en-US" altLang="ko-KR" smtClean="0"/>
-                  <a:t>return(0.5 </a:t>
-                </a:r>
-                <a:r>
-                  <a:rPr lang="en-US" altLang="ko-KR" smtClean="0"/>
-                  <a:t>- </a:t>
+                  <a:t>		return(0.5 - </a:t>
                 </a:r>
                 <a:r>
                   <a:rPr lang="en-US" altLang="ko-KR" dirty="0" err="1" smtClean="0"/>
@@ -7326,10 +7351,14 @@
               </p:nvPr>
             </p:nvSpPr>
             <p:spPr>
+              <a:xfrm>
+                <a:off x="838200" y="1169773"/>
+                <a:ext cx="10515600" cy="5007190"/>
+              </a:xfrm>
               <a:blipFill rotWithShape="0">
                 <a:blip r:embed="rId3"/>
                 <a:stretch>
-                  <a:fillRect l="-232" t="-13445"/>
+                  <a:fillRect l="-522" t="-15469"/>
                 </a:stretch>
               </a:blipFill>
             </p:spPr>

--- a/ppt/6.Numerical integration.pptx
+++ b/ppt/6.Numerical integration.pptx
@@ -250,7 +250,7 @@
           <a:p>
             <a:fld id="{61F1DF29-E637-4A54-B896-1342D479CFC0}" type="datetimeFigureOut">
               <a:rPr lang="ko-KR" altLang="en-US" smtClean="0"/>
-              <a:t>2017-04-20</a:t>
+              <a:t>2017-06-05</a:t>
             </a:fld>
             <a:endParaRPr lang="ko-KR" altLang="en-US"/>
           </a:p>
@@ -420,7 +420,7 @@
           <a:p>
             <a:fld id="{61F1DF29-E637-4A54-B896-1342D479CFC0}" type="datetimeFigureOut">
               <a:rPr lang="ko-KR" altLang="en-US" smtClean="0"/>
-              <a:t>2017-04-20</a:t>
+              <a:t>2017-06-05</a:t>
             </a:fld>
             <a:endParaRPr lang="ko-KR" altLang="en-US"/>
           </a:p>
@@ -600,7 +600,7 @@
           <a:p>
             <a:fld id="{61F1DF29-E637-4A54-B896-1342D479CFC0}" type="datetimeFigureOut">
               <a:rPr lang="ko-KR" altLang="en-US" smtClean="0"/>
-              <a:t>2017-04-20</a:t>
+              <a:t>2017-06-05</a:t>
             </a:fld>
             <a:endParaRPr lang="ko-KR" altLang="en-US"/>
           </a:p>
@@ -770,7 +770,7 @@
           <a:p>
             <a:fld id="{61F1DF29-E637-4A54-B896-1342D479CFC0}" type="datetimeFigureOut">
               <a:rPr lang="ko-KR" altLang="en-US" smtClean="0"/>
-              <a:t>2017-04-20</a:t>
+              <a:t>2017-06-05</a:t>
             </a:fld>
             <a:endParaRPr lang="ko-KR" altLang="en-US"/>
           </a:p>
@@ -1016,7 +1016,7 @@
           <a:p>
             <a:fld id="{61F1DF29-E637-4A54-B896-1342D479CFC0}" type="datetimeFigureOut">
               <a:rPr lang="ko-KR" altLang="en-US" smtClean="0"/>
-              <a:t>2017-04-20</a:t>
+              <a:t>2017-06-05</a:t>
             </a:fld>
             <a:endParaRPr lang="ko-KR" altLang="en-US"/>
           </a:p>
@@ -1248,7 +1248,7 @@
           <a:p>
             <a:fld id="{61F1DF29-E637-4A54-B896-1342D479CFC0}" type="datetimeFigureOut">
               <a:rPr lang="ko-KR" altLang="en-US" smtClean="0"/>
-              <a:t>2017-04-20</a:t>
+              <a:t>2017-06-05</a:t>
             </a:fld>
             <a:endParaRPr lang="ko-KR" altLang="en-US"/>
           </a:p>
@@ -1615,7 +1615,7 @@
           <a:p>
             <a:fld id="{61F1DF29-E637-4A54-B896-1342D479CFC0}" type="datetimeFigureOut">
               <a:rPr lang="ko-KR" altLang="en-US" smtClean="0"/>
-              <a:t>2017-04-20</a:t>
+              <a:t>2017-06-05</a:t>
             </a:fld>
             <a:endParaRPr lang="ko-KR" altLang="en-US"/>
           </a:p>
@@ -1733,7 +1733,7 @@
           <a:p>
             <a:fld id="{61F1DF29-E637-4A54-B896-1342D479CFC0}" type="datetimeFigureOut">
               <a:rPr lang="ko-KR" altLang="en-US" smtClean="0"/>
-              <a:t>2017-04-20</a:t>
+              <a:t>2017-06-05</a:t>
             </a:fld>
             <a:endParaRPr lang="ko-KR" altLang="en-US"/>
           </a:p>
@@ -1828,7 +1828,7 @@
           <a:p>
             <a:fld id="{61F1DF29-E637-4A54-B896-1342D479CFC0}" type="datetimeFigureOut">
               <a:rPr lang="ko-KR" altLang="en-US" smtClean="0"/>
-              <a:t>2017-04-20</a:t>
+              <a:t>2017-06-05</a:t>
             </a:fld>
             <a:endParaRPr lang="ko-KR" altLang="en-US"/>
           </a:p>
@@ -2105,7 +2105,7 @@
           <a:p>
             <a:fld id="{61F1DF29-E637-4A54-B896-1342D479CFC0}" type="datetimeFigureOut">
               <a:rPr lang="ko-KR" altLang="en-US" smtClean="0"/>
-              <a:t>2017-04-20</a:t>
+              <a:t>2017-06-05</a:t>
             </a:fld>
             <a:endParaRPr lang="ko-KR" altLang="en-US"/>
           </a:p>
@@ -2358,7 +2358,7 @@
           <a:p>
             <a:fld id="{61F1DF29-E637-4A54-B896-1342D479CFC0}" type="datetimeFigureOut">
               <a:rPr lang="ko-KR" altLang="en-US" smtClean="0"/>
-              <a:t>2017-04-20</a:t>
+              <a:t>2017-06-05</a:t>
             </a:fld>
             <a:endParaRPr lang="ko-KR" altLang="en-US"/>
           </a:p>
@@ -2571,7 +2571,7 @@
           <a:p>
             <a:fld id="{61F1DF29-E637-4A54-B896-1342D479CFC0}" type="datetimeFigureOut">
               <a:rPr lang="ko-KR" altLang="en-US" smtClean="0"/>
-              <a:t>2017-04-20</a:t>
+              <a:t>2017-06-05</a:t>
             </a:fld>
             <a:endParaRPr lang="ko-KR" altLang="en-US"/>
           </a:p>
@@ -6795,8 +6795,8 @@
           <a:chExt cx="0" cy="0"/>
         </a:xfrm>
       </p:grpSpPr>
-      <mc:AlternateContent xmlns:mc="http://schemas.openxmlformats.org/markup-compatibility/2006">
-        <mc:Choice xmlns:a14="http://schemas.microsoft.com/office/drawing/2010/main" Requires="a14">
+      <mc:AlternateContent xmlns:mc="http://schemas.openxmlformats.org/markup-compatibility/2006" xmlns:a14="http://schemas.microsoft.com/office/drawing/2010/main">
+        <mc:Choice Requires="a14">
           <p:sp>
             <p:nvSpPr>
               <p:cNvPr id="2" name="제목 1"/>
@@ -6859,7 +6859,7 @@
             </p:txBody>
           </p:sp>
         </mc:Choice>
-        <mc:Fallback>
+        <mc:Fallback xmlns="">
           <p:sp>
             <p:nvSpPr>
               <p:cNvPr id="2" name="제목 1"/>
@@ -6897,8 +6897,8 @@
           </p:sp>
         </mc:Fallback>
       </mc:AlternateContent>
-      <mc:AlternateContent xmlns:mc="http://schemas.openxmlformats.org/markup-compatibility/2006">
-        <mc:Choice xmlns:a14="http://schemas.microsoft.com/office/drawing/2010/main" Requires="a14">
+      <mc:AlternateContent xmlns:mc="http://schemas.openxmlformats.org/markup-compatibility/2006" xmlns:a14="http://schemas.microsoft.com/office/drawing/2010/main">
+        <mc:Choice Requires="a14">
           <p:sp>
             <p:nvSpPr>
               <p:cNvPr id="3" name="내용 개체 틀 2"/>
@@ -7339,7 +7339,7 @@
             </p:txBody>
           </p:sp>
         </mc:Choice>
-        <mc:Fallback>
+        <mc:Fallback xmlns="">
           <p:sp>
             <p:nvSpPr>
               <p:cNvPr id="3" name="내용 개체 틀 2"/>
